--- a/Slide/Terminal App_slide.pptx
+++ b/Slide/Terminal App_slide.pptx
@@ -40,6 +40,19 @@
     <p:sldId id="286" r:id="rId33"/>
     <p:sldId id="287" r:id="rId34"/>
     <p:sldId id="288" r:id="rId35"/>
+    <p:sldId id="289" r:id="rId36"/>
+    <p:sldId id="290" r:id="rId37"/>
+    <p:sldId id="291" r:id="rId38"/>
+    <p:sldId id="292" r:id="rId39"/>
+    <p:sldId id="293" r:id="rId40"/>
+    <p:sldId id="294" r:id="rId41"/>
+    <p:sldId id="295" r:id="rId42"/>
+    <p:sldId id="296" r:id="rId43"/>
+    <p:sldId id="297" r:id="rId44"/>
+    <p:sldId id="298" r:id="rId45"/>
+    <p:sldId id="299" r:id="rId46"/>
+    <p:sldId id="300" r:id="rId47"/>
+    <p:sldId id="301" r:id="rId48"/>
   </p:sldIdLst>
   <p:sldSz cx="12192000" cy="6858000"/>
   <p:notesSz cx="6858000" cy="9144000"/>
@@ -5524,6 +5537,561 @@
 </p:sld>
 </file>
 
+<file path=ppt/slides/slide33.xml><?xml version="1.0" encoding="utf-8"?>
+<p:sld xmlns:a="http://schemas.openxmlformats.org/drawingml/2006/main" xmlns:r="http://schemas.openxmlformats.org/officeDocument/2006/relationships" xmlns:p="http://schemas.openxmlformats.org/presentationml/2006/main">
+  <p:cSld>
+    <p:spTree>
+      <p:nvGrpSpPr>
+        <p:cNvPr id="1" name=""/>
+        <p:cNvGrpSpPr/>
+        <p:nvPr/>
+      </p:nvGrpSpPr>
+      <p:grpSpPr/>
+      <p:sp>
+        <p:nvSpPr>
+          <p:cNvPr id="2" name="Title 1"/>
+          <p:cNvSpPr>
+            <a:spLocks noGrp="1"/>
+          </p:cNvSpPr>
+          <p:nvPr>
+            <p:ph type="title"/>
+          </p:nvPr>
+        </p:nvSpPr>
+        <p:spPr/>
+        <p:txBody>
+          <a:bodyPr>
+            <a:normAutofit fontScale="90000"/>
+          </a:bodyPr>
+          <a:p>
+            <a:r>
+              <a:rPr lang="en-US"/>
+              <a:t>The problems that I did face during the game development:</a:t>
+            </a:r>
+            <a:endParaRPr lang="en-US"/>
+          </a:p>
+        </p:txBody>
+      </p:sp>
+      <p:sp>
+        <p:nvSpPr>
+          <p:cNvPr id="3" name="Content Placeholder 2"/>
+          <p:cNvSpPr>
+            <a:spLocks noGrp="1"/>
+          </p:cNvSpPr>
+          <p:nvPr>
+            <p:ph idx="1"/>
+          </p:nvPr>
+        </p:nvSpPr>
+        <p:spPr/>
+        <p:txBody>
+          <a:bodyPr/>
+          <a:p>
+            <a:pPr marL="0" indent="0">
+              <a:buNone/>
+            </a:pPr>
+            <a:r>
+              <a:rPr lang="en-US"/>
+              <a:t>1. Generate random four digits number. It is easy to generate 4 digits number but what I try to do each digits must be different and number not start with 0. To do that ,I used a function called number_guess in the Number class.First i cretaed a list called numbers with a member of only 0. First digit can not be 0 so I used while loop to check first digit.random.sample() function generate random number. random.sample(sequence,k).Sequence can be list,tuple,string or set. In this example random.sample(range(10),4) is a sequence numbers. K is an integer number, and it shows length of sampe.In this case k = 4.</a:t>
+            </a:r>
+            <a:endParaRPr lang="en-US"/>
+          </a:p>
+        </p:txBody>
+      </p:sp>
+    </p:spTree>
+  </p:cSld>
+  <p:clrMapOvr>
+    <a:masterClrMapping/>
+  </p:clrMapOvr>
+  <mc:AlternateContent xmlns:mc="http://schemas.openxmlformats.org/markup-compatibility/2006">
+    <mc:Choice xmlns:p14="http://schemas.microsoft.com/office/powerpoint/2010/main" Requires="p14">
+      <p:transition spd="slow" p14:dur="2000"/>
+    </mc:Choice>
+    <mc:Fallback>
+      <p:transition spd="slow"/>
+    </mc:Fallback>
+  </mc:AlternateContent>
+</p:sld>
+</file>
+
+<file path=ppt/slides/slide34.xml><?xml version="1.0" encoding="utf-8"?>
+<p:sld xmlns:a="http://schemas.openxmlformats.org/drawingml/2006/main" xmlns:r="http://schemas.openxmlformats.org/officeDocument/2006/relationships" xmlns:p="http://schemas.openxmlformats.org/presentationml/2006/main">
+  <p:cSld>
+    <p:spTree>
+      <p:nvGrpSpPr>
+        <p:cNvPr id="1" name=""/>
+        <p:cNvGrpSpPr/>
+        <p:nvPr/>
+      </p:nvGrpSpPr>
+      <p:grpSpPr/>
+      <p:sp>
+        <p:nvSpPr>
+          <p:cNvPr id="2" name="Title 1"/>
+          <p:cNvSpPr>
+            <a:spLocks noGrp="1"/>
+          </p:cNvSpPr>
+          <p:nvPr>
+            <p:ph type="title"/>
+          </p:nvPr>
+        </p:nvSpPr>
+        <p:spPr/>
+        <p:txBody>
+          <a:bodyPr/>
+          <a:p>
+            <a:endParaRPr lang="en-US"/>
+          </a:p>
+        </p:txBody>
+      </p:sp>
+      <p:sp>
+        <p:nvSpPr>
+          <p:cNvPr id="3" name="Content Placeholder 2"/>
+          <p:cNvSpPr>
+            <a:spLocks noGrp="1"/>
+          </p:cNvSpPr>
+          <p:nvPr>
+            <p:ph idx="1"/>
+          </p:nvPr>
+        </p:nvSpPr>
+        <p:spPr/>
+        <p:txBody>
+          <a:bodyPr/>
+          <a:p>
+            <a:endParaRPr lang="en-US"/>
+          </a:p>
+        </p:txBody>
+      </p:sp>
+      <p:pic>
+        <p:nvPicPr>
+          <p:cNvPr id="4" name="Picture 3" descr="random_numbera"/>
+          <p:cNvPicPr>
+            <a:picLocks noChangeAspect="1"/>
+          </p:cNvPicPr>
+          <p:nvPr/>
+        </p:nvPicPr>
+        <p:blipFill>
+          <a:blip r:embed="rId1"/>
+          <a:stretch>
+            <a:fillRect/>
+          </a:stretch>
+        </p:blipFill>
+        <p:spPr>
+          <a:xfrm>
+            <a:off x="631190" y="2124710"/>
+            <a:ext cx="10928985" cy="2607945"/>
+          </a:xfrm>
+          <a:prstGeom prst="rect">
+            <a:avLst/>
+          </a:prstGeom>
+        </p:spPr>
+      </p:pic>
+    </p:spTree>
+  </p:cSld>
+  <p:clrMapOvr>
+    <a:masterClrMapping/>
+  </p:clrMapOvr>
+</p:sld>
+</file>
+
+<file path=ppt/slides/slide35.xml><?xml version="1.0" encoding="utf-8"?>
+<p:sld xmlns:a="http://schemas.openxmlformats.org/drawingml/2006/main" xmlns:r="http://schemas.openxmlformats.org/officeDocument/2006/relationships" xmlns:p="http://schemas.openxmlformats.org/presentationml/2006/main">
+  <p:cSld>
+    <p:spTree>
+      <p:nvGrpSpPr>
+        <p:cNvPr id="1" name=""/>
+        <p:cNvGrpSpPr/>
+        <p:nvPr/>
+      </p:nvGrpSpPr>
+      <p:grpSpPr/>
+      <p:sp>
+        <p:nvSpPr>
+          <p:cNvPr id="2" name="Title 1"/>
+          <p:cNvSpPr>
+            <a:spLocks noGrp="1"/>
+          </p:cNvSpPr>
+          <p:nvPr>
+            <p:ph type="title"/>
+          </p:nvPr>
+        </p:nvSpPr>
+        <p:spPr/>
+        <p:txBody>
+          <a:bodyPr/>
+          <a:p>
+            <a:endParaRPr lang="en-US"/>
+          </a:p>
+        </p:txBody>
+      </p:sp>
+      <p:sp>
+        <p:nvSpPr>
+          <p:cNvPr id="3" name="Content Placeholder 2"/>
+          <p:cNvSpPr>
+            <a:spLocks noGrp="1"/>
+          </p:cNvSpPr>
+          <p:nvPr>
+            <p:ph idx="1"/>
+          </p:nvPr>
+        </p:nvSpPr>
+        <p:spPr/>
+        <p:txBody>
+          <a:bodyPr/>
+          <a:p>
+            <a:pPr marL="0" indent="0">
+              <a:buNone/>
+            </a:pPr>
+            <a:r>
+              <a:rPr lang="en-US"/>
+              <a:t>2.Create a num_check function. Basically it checks the user input with computer number and display output. I used two main argumant.First one if guess == computer number. In this case I need to check two importan things. First one is guess count number,it increases every wrong guess. It is the first guess or not. I used if statement for that.</a:t>
+            </a:r>
+            <a:endParaRPr lang="en-US"/>
+          </a:p>
+        </p:txBody>
+      </p:sp>
+      <p:pic>
+        <p:nvPicPr>
+          <p:cNvPr id="4" name="Picture 3" descr="check_first_guess"/>
+          <p:cNvPicPr>
+            <a:picLocks noChangeAspect="1"/>
+          </p:cNvPicPr>
+          <p:nvPr/>
+        </p:nvPicPr>
+        <p:blipFill>
+          <a:blip r:embed="rId1"/>
+          <a:stretch>
+            <a:fillRect/>
+          </a:stretch>
+        </p:blipFill>
+        <p:spPr>
+          <a:xfrm>
+            <a:off x="1729105" y="4277995"/>
+            <a:ext cx="7641590" cy="2122170"/>
+          </a:xfrm>
+          <a:prstGeom prst="rect">
+            <a:avLst/>
+          </a:prstGeom>
+        </p:spPr>
+      </p:pic>
+    </p:spTree>
+  </p:cSld>
+  <p:clrMapOvr>
+    <a:masterClrMapping/>
+  </p:clrMapOvr>
+</p:sld>
+</file>
+
+<file path=ppt/slides/slide36.xml><?xml version="1.0" encoding="utf-8"?>
+<p:sld xmlns:a="http://schemas.openxmlformats.org/drawingml/2006/main" xmlns:r="http://schemas.openxmlformats.org/officeDocument/2006/relationships" xmlns:p="http://schemas.openxmlformats.org/presentationml/2006/main">
+  <p:cSld>
+    <p:spTree>
+      <p:nvGrpSpPr>
+        <p:cNvPr id="1" name=""/>
+        <p:cNvGrpSpPr/>
+        <p:nvPr/>
+      </p:nvGrpSpPr>
+      <p:grpSpPr/>
+      <p:sp>
+        <p:nvSpPr>
+          <p:cNvPr id="2" name="Title 1"/>
+          <p:cNvSpPr>
+            <a:spLocks noGrp="1"/>
+          </p:cNvSpPr>
+          <p:nvPr>
+            <p:ph type="title"/>
+          </p:nvPr>
+        </p:nvSpPr>
+        <p:spPr/>
+        <p:txBody>
+          <a:bodyPr/>
+          <a:p>
+            <a:endParaRPr lang="en-US"/>
+          </a:p>
+        </p:txBody>
+      </p:sp>
+      <p:sp>
+        <p:nvSpPr>
+          <p:cNvPr id="3" name="Content Placeholder 2"/>
+          <p:cNvSpPr>
+            <a:spLocks noGrp="1"/>
+          </p:cNvSpPr>
+          <p:nvPr>
+            <p:ph idx="1"/>
+          </p:nvPr>
+        </p:nvSpPr>
+        <p:spPr/>
+        <p:txBody>
+          <a:bodyPr/>
+          <a:p>
+            <a:r>
+              <a:rPr lang="en-US"/>
+              <a:t>If it is not the first guess, I used else statment to check the guess number with computer number. I need to put checking paramenter beginning of the codes if number entered is digit number, check length of the number and not have repeating number.</a:t>
+            </a:r>
+            <a:endParaRPr lang="en-US"/>
+          </a:p>
+        </p:txBody>
+      </p:sp>
+      <p:pic>
+        <p:nvPicPr>
+          <p:cNvPr id="4" name="Picture 3" descr="else_first_check"/>
+          <p:cNvPicPr>
+            <a:picLocks noChangeAspect="1"/>
+          </p:cNvPicPr>
+          <p:nvPr/>
+        </p:nvPicPr>
+        <p:blipFill>
+          <a:blip r:embed="rId1"/>
+          <a:stretch>
+            <a:fillRect/>
+          </a:stretch>
+        </p:blipFill>
+        <p:spPr>
+          <a:xfrm>
+            <a:off x="1003300" y="4079240"/>
+            <a:ext cx="9021445" cy="1868170"/>
+          </a:xfrm>
+          <a:prstGeom prst="rect">
+            <a:avLst/>
+          </a:prstGeom>
+        </p:spPr>
+      </p:pic>
+    </p:spTree>
+  </p:cSld>
+  <p:clrMapOvr>
+    <a:masterClrMapping/>
+  </p:clrMapOvr>
+</p:sld>
+</file>
+
+<file path=ppt/slides/slide37.xml><?xml version="1.0" encoding="utf-8"?>
+<p:sld xmlns:a="http://schemas.openxmlformats.org/drawingml/2006/main" xmlns:r="http://schemas.openxmlformats.org/officeDocument/2006/relationships" xmlns:p="http://schemas.openxmlformats.org/presentationml/2006/main">
+  <p:cSld>
+    <p:spTree>
+      <p:nvGrpSpPr>
+        <p:cNvPr id="1" name=""/>
+        <p:cNvGrpSpPr/>
+        <p:nvPr/>
+      </p:nvGrpSpPr>
+      <p:grpSpPr/>
+      <p:sp>
+        <p:nvSpPr>
+          <p:cNvPr id="2" name="Title 1"/>
+          <p:cNvSpPr>
+            <a:spLocks noGrp="1"/>
+          </p:cNvSpPr>
+          <p:nvPr>
+            <p:ph type="title"/>
+          </p:nvPr>
+        </p:nvSpPr>
+        <p:spPr/>
+        <p:txBody>
+          <a:bodyPr/>
+          <a:p>
+            <a:endParaRPr lang="en-US"/>
+          </a:p>
+        </p:txBody>
+      </p:sp>
+      <p:sp>
+        <p:nvSpPr>
+          <p:cNvPr id="3" name="Content Placeholder 2"/>
+          <p:cNvSpPr>
+            <a:spLocks noGrp="1"/>
+          </p:cNvSpPr>
+          <p:nvPr>
+            <p:ph idx="1"/>
+          </p:nvPr>
+        </p:nvSpPr>
+        <p:spPr/>
+        <p:txBody>
+          <a:bodyPr/>
+          <a:p>
+            <a:r>
+              <a:rPr lang="en-US"/>
+              <a:t>After this check, program will check the user guess and computer number.</a:t>
+            </a:r>
+            <a:endParaRPr lang="en-US"/>
+          </a:p>
+        </p:txBody>
+      </p:sp>
+      <p:pic>
+        <p:nvPicPr>
+          <p:cNvPr id="4" name="Picture 3" descr="check_num ersss"/>
+          <p:cNvPicPr>
+            <a:picLocks noChangeAspect="1"/>
+          </p:cNvPicPr>
+          <p:nvPr/>
+        </p:nvPicPr>
+        <p:blipFill>
+          <a:blip r:embed="rId1"/>
+          <a:stretch>
+            <a:fillRect/>
+          </a:stretch>
+        </p:blipFill>
+        <p:spPr>
+          <a:xfrm>
+            <a:off x="1560830" y="2757805"/>
+            <a:ext cx="8524875" cy="3419475"/>
+          </a:xfrm>
+          <a:prstGeom prst="rect">
+            <a:avLst/>
+          </a:prstGeom>
+        </p:spPr>
+      </p:pic>
+    </p:spTree>
+  </p:cSld>
+  <p:clrMapOvr>
+    <a:masterClrMapping/>
+  </p:clrMapOvr>
+</p:sld>
+</file>
+
+<file path=ppt/slides/slide38.xml><?xml version="1.0" encoding="utf-8"?>
+<p:sld xmlns:a="http://schemas.openxmlformats.org/drawingml/2006/main" xmlns:r="http://schemas.openxmlformats.org/officeDocument/2006/relationships" xmlns:p="http://schemas.openxmlformats.org/presentationml/2006/main">
+  <p:cSld>
+    <p:spTree>
+      <p:nvGrpSpPr>
+        <p:cNvPr id="1" name=""/>
+        <p:cNvGrpSpPr/>
+        <p:nvPr/>
+      </p:nvGrpSpPr>
+      <p:grpSpPr/>
+      <p:sp>
+        <p:nvSpPr>
+          <p:cNvPr id="2" name="Title 1"/>
+          <p:cNvSpPr>
+            <a:spLocks noGrp="1"/>
+          </p:cNvSpPr>
+          <p:nvPr>
+            <p:ph type="title"/>
+          </p:nvPr>
+        </p:nvSpPr>
+        <p:spPr/>
+        <p:txBody>
+          <a:bodyPr/>
+          <a:p>
+            <a:endParaRPr lang="en-US"/>
+          </a:p>
+        </p:txBody>
+      </p:sp>
+      <p:sp>
+        <p:nvSpPr>
+          <p:cNvPr id="3" name="Content Placeholder 2"/>
+          <p:cNvSpPr>
+            <a:spLocks noGrp="1"/>
+          </p:cNvSpPr>
+          <p:nvPr>
+            <p:ph idx="1"/>
+          </p:nvPr>
+        </p:nvSpPr>
+        <p:spPr/>
+        <p:txBody>
+          <a:bodyPr/>
+          <a:p>
+            <a:r>
+              <a:rPr lang="en-US"/>
+              <a:t>if it is not a valid number,it will give an error.</a:t>
+            </a:r>
+            <a:endParaRPr lang="en-US"/>
+          </a:p>
+        </p:txBody>
+      </p:sp>
+      <p:pic>
+        <p:nvPicPr>
+          <p:cNvPr id="4" name="Picture 3" descr="error+_else"/>
+          <p:cNvPicPr>
+            <a:picLocks noChangeAspect="1"/>
+          </p:cNvPicPr>
+          <p:nvPr/>
+        </p:nvPicPr>
+        <p:blipFill>
+          <a:blip r:embed="rId1"/>
+          <a:stretch>
+            <a:fillRect/>
+          </a:stretch>
+        </p:blipFill>
+        <p:spPr>
+          <a:xfrm>
+            <a:off x="1802765" y="3224530"/>
+            <a:ext cx="8210550" cy="1614170"/>
+          </a:xfrm>
+          <a:prstGeom prst="rect">
+            <a:avLst/>
+          </a:prstGeom>
+        </p:spPr>
+      </p:pic>
+    </p:spTree>
+  </p:cSld>
+  <p:clrMapOvr>
+    <a:masterClrMapping/>
+  </p:clrMapOvr>
+</p:sld>
+</file>
+
+<file path=ppt/slides/slide39.xml><?xml version="1.0" encoding="utf-8"?>
+<p:sld xmlns:a="http://schemas.openxmlformats.org/drawingml/2006/main" xmlns:r="http://schemas.openxmlformats.org/officeDocument/2006/relationships" xmlns:p="http://schemas.openxmlformats.org/presentationml/2006/main">
+  <p:cSld>
+    <p:spTree>
+      <p:nvGrpSpPr>
+        <p:cNvPr id="1" name=""/>
+        <p:cNvGrpSpPr/>
+        <p:nvPr/>
+      </p:nvGrpSpPr>
+      <p:grpSpPr/>
+      <p:sp>
+        <p:nvSpPr>
+          <p:cNvPr id="2" name="Title 1"/>
+          <p:cNvSpPr>
+            <a:spLocks noGrp="1"/>
+          </p:cNvSpPr>
+          <p:nvPr>
+            <p:ph type="title"/>
+          </p:nvPr>
+        </p:nvSpPr>
+        <p:spPr/>
+        <p:txBody>
+          <a:bodyPr/>
+          <a:p>
+            <a:endParaRPr lang="en-US"/>
+          </a:p>
+        </p:txBody>
+      </p:sp>
+      <p:sp>
+        <p:nvSpPr>
+          <p:cNvPr id="3" name="Content Placeholder 2"/>
+          <p:cNvSpPr>
+            <a:spLocks noGrp="1"/>
+          </p:cNvSpPr>
+          <p:nvPr>
+            <p:ph idx="1"/>
+          </p:nvPr>
+        </p:nvSpPr>
+        <p:spPr/>
+        <p:txBody>
+          <a:bodyPr/>
+          <a:p>
+            <a:pPr marL="0" indent="0">
+              <a:buNone/>
+            </a:pPr>
+            <a:r>
+              <a:rPr lang="en-US"/>
+              <a:t>3. Json file update:</a:t>
+            </a:r>
+            <a:endParaRPr lang="en-US"/>
+          </a:p>
+          <a:p>
+            <a:pPr marL="0" indent="0">
+              <a:buNone/>
+            </a:pPr>
+            <a:r>
+              <a:rPr lang="en-US"/>
+              <a:t>It was kind of difficult to update json file. I could not find a way to initialize the json file from stractch. So I used in the seperate json file with inital value. I enter my name Serter as first name argument and my score, I entered 999 bigger number.My code as follows:</a:t>
+            </a:r>
+            <a:endParaRPr lang="en-US"/>
+          </a:p>
+        </p:txBody>
+      </p:sp>
+    </p:spTree>
+  </p:cSld>
+  <p:clrMapOvr>
+    <a:masterClrMapping/>
+  </p:clrMapOvr>
+</p:sld>
+</file>
+
 <file path=ppt/slides/slide4.xml><?xml version="1.0" encoding="utf-8"?>
 <p:sld xmlns:a="http://schemas.openxmlformats.org/drawingml/2006/main" xmlns:r="http://schemas.openxmlformats.org/officeDocument/2006/relationships" xmlns:p="http://schemas.openxmlformats.org/presentationml/2006/main">
   <p:cSld>
@@ -5606,6 +6174,486 @@
           <a:xfrm>
             <a:off x="687070" y="3856990"/>
             <a:ext cx="10667365" cy="2812415"/>
+          </a:xfrm>
+          <a:prstGeom prst="rect">
+            <a:avLst/>
+          </a:prstGeom>
+        </p:spPr>
+      </p:pic>
+    </p:spTree>
+  </p:cSld>
+  <p:clrMapOvr>
+    <a:masterClrMapping/>
+  </p:clrMapOvr>
+</p:sld>
+</file>
+
+<file path=ppt/slides/slide40.xml><?xml version="1.0" encoding="utf-8"?>
+<p:sld xmlns:a="http://schemas.openxmlformats.org/drawingml/2006/main" xmlns:r="http://schemas.openxmlformats.org/officeDocument/2006/relationships" xmlns:p="http://schemas.openxmlformats.org/presentationml/2006/main">
+  <p:cSld>
+    <p:spTree>
+      <p:nvGrpSpPr>
+        <p:cNvPr id="1" name=""/>
+        <p:cNvGrpSpPr/>
+        <p:nvPr/>
+      </p:nvGrpSpPr>
+      <p:grpSpPr/>
+      <p:sp>
+        <p:nvSpPr>
+          <p:cNvPr id="2" name="Title 1"/>
+          <p:cNvSpPr>
+            <a:spLocks noGrp="1"/>
+          </p:cNvSpPr>
+          <p:nvPr>
+            <p:ph type="title"/>
+          </p:nvPr>
+        </p:nvSpPr>
+        <p:spPr/>
+        <p:txBody>
+          <a:bodyPr/>
+          <a:p>
+            <a:endParaRPr lang="en-US"/>
+          </a:p>
+        </p:txBody>
+      </p:sp>
+      <p:sp>
+        <p:nvSpPr>
+          <p:cNvPr id="3" name="Content Placeholder 2"/>
+          <p:cNvSpPr>
+            <a:spLocks noGrp="1"/>
+          </p:cNvSpPr>
+          <p:nvPr>
+            <p:ph idx="1"/>
+          </p:nvPr>
+        </p:nvSpPr>
+        <p:spPr/>
+        <p:txBody>
+          <a:bodyPr/>
+          <a:p>
+            <a:endParaRPr lang="en-US"/>
+          </a:p>
+        </p:txBody>
+      </p:sp>
+      <p:pic>
+        <p:nvPicPr>
+          <p:cNvPr id="4" name="Picture 3" descr="json_update"/>
+          <p:cNvPicPr>
+            <a:picLocks noChangeAspect="1"/>
+          </p:cNvPicPr>
+          <p:nvPr/>
+        </p:nvPicPr>
+        <p:blipFill>
+          <a:blip r:embed="rId1"/>
+          <a:stretch>
+            <a:fillRect/>
+          </a:stretch>
+        </p:blipFill>
+        <p:spPr>
+          <a:xfrm>
+            <a:off x="1207770" y="1825625"/>
+            <a:ext cx="8943975" cy="3579495"/>
+          </a:xfrm>
+          <a:prstGeom prst="rect">
+            <a:avLst/>
+          </a:prstGeom>
+        </p:spPr>
+      </p:pic>
+    </p:spTree>
+  </p:cSld>
+  <p:clrMapOvr>
+    <a:masterClrMapping/>
+  </p:clrMapOvr>
+</p:sld>
+</file>
+
+<file path=ppt/slides/slide41.xml><?xml version="1.0" encoding="utf-8"?>
+<p:sld xmlns:a="http://schemas.openxmlformats.org/drawingml/2006/main" xmlns:r="http://schemas.openxmlformats.org/officeDocument/2006/relationships" xmlns:p="http://schemas.openxmlformats.org/presentationml/2006/main">
+  <p:cSld>
+    <p:spTree>
+      <p:nvGrpSpPr>
+        <p:cNvPr id="1" name=""/>
+        <p:cNvGrpSpPr/>
+        <p:nvPr/>
+      </p:nvGrpSpPr>
+      <p:grpSpPr/>
+      <p:sp>
+        <p:nvSpPr>
+          <p:cNvPr id="2" name="Title 1"/>
+          <p:cNvSpPr>
+            <a:spLocks noGrp="1"/>
+          </p:cNvSpPr>
+          <p:nvPr>
+            <p:ph type="title"/>
+          </p:nvPr>
+        </p:nvSpPr>
+        <p:spPr/>
+        <p:txBody>
+          <a:bodyPr/>
+          <a:p>
+            <a:r>
+              <a:rPr lang="en-US"/>
+              <a:t>Json File</a:t>
+            </a:r>
+            <a:endParaRPr lang="en-US"/>
+          </a:p>
+        </p:txBody>
+      </p:sp>
+      <p:sp>
+        <p:nvSpPr>
+          <p:cNvPr id="3" name="Content Placeholder 2"/>
+          <p:cNvSpPr>
+            <a:spLocks noGrp="1"/>
+          </p:cNvSpPr>
+          <p:nvPr>
+            <p:ph idx="1"/>
+          </p:nvPr>
+        </p:nvSpPr>
+        <p:spPr/>
+        <p:txBody>
+          <a:bodyPr/>
+          <a:p>
+            <a:endParaRPr lang="en-US"/>
+          </a:p>
+        </p:txBody>
+      </p:sp>
+      <p:pic>
+        <p:nvPicPr>
+          <p:cNvPr id="4" name="Picture 3" descr="json_file"/>
+          <p:cNvPicPr>
+            <a:picLocks noChangeAspect="1"/>
+          </p:cNvPicPr>
+          <p:nvPr/>
+        </p:nvPicPr>
+        <p:blipFill>
+          <a:blip r:embed="rId1"/>
+          <a:stretch>
+            <a:fillRect/>
+          </a:stretch>
+        </p:blipFill>
+        <p:spPr>
+          <a:xfrm>
+            <a:off x="1038225" y="2105660"/>
+            <a:ext cx="10115550" cy="3792220"/>
+          </a:xfrm>
+          <a:prstGeom prst="rect">
+            <a:avLst/>
+          </a:prstGeom>
+        </p:spPr>
+      </p:pic>
+    </p:spTree>
+  </p:cSld>
+  <p:clrMapOvr>
+    <a:masterClrMapping/>
+  </p:clrMapOvr>
+</p:sld>
+</file>
+
+<file path=ppt/slides/slide42.xml><?xml version="1.0" encoding="utf-8"?>
+<p:sld xmlns:a="http://schemas.openxmlformats.org/drawingml/2006/main" xmlns:r="http://schemas.openxmlformats.org/officeDocument/2006/relationships" xmlns:p="http://schemas.openxmlformats.org/presentationml/2006/main">
+  <p:cSld>
+    <p:spTree>
+      <p:nvGrpSpPr>
+        <p:cNvPr id="1" name=""/>
+        <p:cNvGrpSpPr/>
+        <p:nvPr/>
+      </p:nvGrpSpPr>
+      <p:grpSpPr/>
+      <p:sp>
+        <p:nvSpPr>
+          <p:cNvPr id="2" name="Title 1"/>
+          <p:cNvSpPr>
+            <a:spLocks noGrp="1"/>
+          </p:cNvSpPr>
+          <p:nvPr>
+            <p:ph type="title"/>
+          </p:nvPr>
+        </p:nvSpPr>
+        <p:spPr/>
+        <p:txBody>
+          <a:bodyPr/>
+          <a:p>
+            <a:endParaRPr lang="en-US"/>
+          </a:p>
+        </p:txBody>
+      </p:sp>
+      <p:sp>
+        <p:nvSpPr>
+          <p:cNvPr id="3" name="Content Placeholder 2"/>
+          <p:cNvSpPr>
+            <a:spLocks noGrp="1"/>
+          </p:cNvSpPr>
+          <p:nvPr>
+            <p:ph idx="1"/>
+          </p:nvPr>
+        </p:nvSpPr>
+        <p:spPr/>
+        <p:txBody>
+          <a:bodyPr/>
+          <a:p>
+            <a:pPr marL="0" indent="0">
+              <a:buNone/>
+            </a:pPr>
+            <a:r>
+              <a:rPr lang="en-US"/>
+              <a:t>4. Try.except code: First check was easy .It was a check if number is digit or not. I wanted to check if number guess length is 4 or not and also check if the number has repeating digits.</a:t>
+            </a:r>
+            <a:endParaRPr lang="en-US"/>
+          </a:p>
+          <a:p>
+            <a:pPr marL="0" indent="0">
+              <a:buNone/>
+            </a:pPr>
+            <a:endParaRPr lang="en-US"/>
+          </a:p>
+          <a:p>
+            <a:pPr marL="0" indent="0">
+              <a:buNone/>
+            </a:pPr>
+            <a:r>
+              <a:rPr lang="en-US"/>
+              <a:t>I used for those ones, else statements as follows:</a:t>
+            </a:r>
+            <a:endParaRPr lang="en-US"/>
+          </a:p>
+        </p:txBody>
+      </p:sp>
+    </p:spTree>
+  </p:cSld>
+  <p:clrMapOvr>
+    <a:masterClrMapping/>
+  </p:clrMapOvr>
+</p:sld>
+</file>
+
+<file path=ppt/slides/slide43.xml><?xml version="1.0" encoding="utf-8"?>
+<p:sld xmlns:a="http://schemas.openxmlformats.org/drawingml/2006/main" xmlns:r="http://schemas.openxmlformats.org/officeDocument/2006/relationships" xmlns:p="http://schemas.openxmlformats.org/presentationml/2006/main">
+  <p:cSld>
+    <p:spTree>
+      <p:nvGrpSpPr>
+        <p:cNvPr id="1" name=""/>
+        <p:cNvGrpSpPr/>
+        <p:nvPr/>
+      </p:nvGrpSpPr>
+      <p:grpSpPr/>
+      <p:sp>
+        <p:nvSpPr>
+          <p:cNvPr id="2" name="Title 1"/>
+          <p:cNvSpPr>
+            <a:spLocks noGrp="1"/>
+          </p:cNvSpPr>
+          <p:nvPr>
+            <p:ph type="title"/>
+          </p:nvPr>
+        </p:nvSpPr>
+        <p:spPr/>
+        <p:txBody>
+          <a:bodyPr/>
+          <a:p>
+            <a:endParaRPr lang="en-US"/>
+          </a:p>
+        </p:txBody>
+      </p:sp>
+      <p:sp>
+        <p:nvSpPr>
+          <p:cNvPr id="3" name="Content Placeholder 2"/>
+          <p:cNvSpPr>
+            <a:spLocks noGrp="1"/>
+          </p:cNvSpPr>
+          <p:nvPr>
+            <p:ph idx="1"/>
+          </p:nvPr>
+        </p:nvSpPr>
+        <p:spPr/>
+        <p:txBody>
+          <a:bodyPr/>
+          <a:p>
+            <a:endParaRPr lang="en-US"/>
+          </a:p>
+        </p:txBody>
+      </p:sp>
+      <p:pic>
+        <p:nvPicPr>
+          <p:cNvPr id="4" name="Picture 3" descr="try_except-else"/>
+          <p:cNvPicPr>
+            <a:picLocks noChangeAspect="1"/>
+          </p:cNvPicPr>
+          <p:nvPr/>
+        </p:nvPicPr>
+        <p:blipFill>
+          <a:blip r:embed="rId1"/>
+          <a:stretch>
+            <a:fillRect/>
+          </a:stretch>
+        </p:blipFill>
+        <p:spPr>
+          <a:xfrm>
+            <a:off x="1226820" y="2239645"/>
+            <a:ext cx="9096375" cy="2647950"/>
+          </a:xfrm>
+          <a:prstGeom prst="rect">
+            <a:avLst/>
+          </a:prstGeom>
+        </p:spPr>
+      </p:pic>
+    </p:spTree>
+  </p:cSld>
+  <p:clrMapOvr>
+    <a:masterClrMapping/>
+  </p:clrMapOvr>
+</p:sld>
+</file>
+
+<file path=ppt/slides/slide44.xml><?xml version="1.0" encoding="utf-8"?>
+<p:sld xmlns:a="http://schemas.openxmlformats.org/drawingml/2006/main" xmlns:r="http://schemas.openxmlformats.org/officeDocument/2006/relationships" xmlns:p="http://schemas.openxmlformats.org/presentationml/2006/main">
+  <p:cSld>
+    <p:spTree>
+      <p:nvGrpSpPr>
+        <p:cNvPr id="1" name=""/>
+        <p:cNvGrpSpPr/>
+        <p:nvPr/>
+      </p:nvGrpSpPr>
+      <p:grpSpPr/>
+      <p:sp>
+        <p:nvSpPr>
+          <p:cNvPr id="2" name="Title 1"/>
+          <p:cNvSpPr>
+            <a:spLocks noGrp="1"/>
+          </p:cNvSpPr>
+          <p:nvPr>
+            <p:ph type="title"/>
+          </p:nvPr>
+        </p:nvSpPr>
+        <p:spPr/>
+        <p:txBody>
+          <a:bodyPr/>
+          <a:p>
+            <a:endParaRPr lang="en-US"/>
+          </a:p>
+        </p:txBody>
+      </p:sp>
+      <p:sp>
+        <p:nvSpPr>
+          <p:cNvPr id="3" name="Content Placeholder 2"/>
+          <p:cNvSpPr>
+            <a:spLocks noGrp="1"/>
+          </p:cNvSpPr>
+          <p:nvPr>
+            <p:ph idx="1"/>
+          </p:nvPr>
+        </p:nvSpPr>
+        <p:spPr/>
+        <p:txBody>
+          <a:bodyPr/>
+          <a:p>
+            <a:pPr marL="0" indent="0">
+              <a:buNone/>
+            </a:pPr>
+            <a:r>
+              <a:rPr lang="en-US"/>
+              <a:t>4. The last issue is to display top three players. I need to sort the json file with the lowest points.</a:t>
+            </a:r>
+            <a:endParaRPr lang="en-US"/>
+          </a:p>
+          <a:p>
+            <a:pPr marL="0" indent="0">
+              <a:buNone/>
+            </a:pPr>
+            <a:r>
+              <a:rPr lang="en-US"/>
+              <a:t>The json file is read first, and using lambda key  word it is sorted with the lowest points.</a:t>
+            </a:r>
+            <a:endParaRPr lang="en-US"/>
+          </a:p>
+          <a:p>
+            <a:pPr marL="0" indent="0">
+              <a:buNone/>
+            </a:pPr>
+            <a:endParaRPr lang="en-US"/>
+          </a:p>
+          <a:p>
+            <a:pPr marL="0" indent="0">
+              <a:buNone/>
+            </a:pPr>
+            <a:r>
+              <a:rPr lang="en-US"/>
+              <a:t>Printing the lowest three points.</a:t>
+            </a:r>
+            <a:endParaRPr lang="en-US"/>
+          </a:p>
+        </p:txBody>
+      </p:sp>
+    </p:spTree>
+  </p:cSld>
+  <p:clrMapOvr>
+    <a:masterClrMapping/>
+  </p:clrMapOvr>
+</p:sld>
+</file>
+
+<file path=ppt/slides/slide45.xml><?xml version="1.0" encoding="utf-8"?>
+<p:sld xmlns:a="http://schemas.openxmlformats.org/drawingml/2006/main" xmlns:r="http://schemas.openxmlformats.org/officeDocument/2006/relationships" xmlns:p="http://schemas.openxmlformats.org/presentationml/2006/main">
+  <p:cSld>
+    <p:spTree>
+      <p:nvGrpSpPr>
+        <p:cNvPr id="1" name=""/>
+        <p:cNvGrpSpPr/>
+        <p:nvPr/>
+      </p:nvGrpSpPr>
+      <p:grpSpPr/>
+      <p:sp>
+        <p:nvSpPr>
+          <p:cNvPr id="2" name="Title 1"/>
+          <p:cNvSpPr>
+            <a:spLocks noGrp="1"/>
+          </p:cNvSpPr>
+          <p:nvPr>
+            <p:ph type="title"/>
+          </p:nvPr>
+        </p:nvSpPr>
+        <p:spPr/>
+        <p:txBody>
+          <a:bodyPr/>
+          <a:p>
+            <a:endParaRPr lang="en-US"/>
+          </a:p>
+        </p:txBody>
+      </p:sp>
+      <p:sp>
+        <p:nvSpPr>
+          <p:cNvPr id="3" name="Content Placeholder 2"/>
+          <p:cNvSpPr>
+            <a:spLocks noGrp="1"/>
+          </p:cNvSpPr>
+          <p:nvPr>
+            <p:ph idx="1"/>
+          </p:nvPr>
+        </p:nvSpPr>
+        <p:spPr/>
+        <p:txBody>
+          <a:bodyPr/>
+          <a:p>
+            <a:endParaRPr lang="en-US"/>
+          </a:p>
+        </p:txBody>
+      </p:sp>
+      <p:pic>
+        <p:nvPicPr>
+          <p:cNvPr id="4" name="Picture 3" descr="top_players"/>
+          <p:cNvPicPr>
+            <a:picLocks noChangeAspect="1"/>
+          </p:cNvPicPr>
+          <p:nvPr/>
+        </p:nvPicPr>
+        <p:blipFill>
+          <a:blip r:embed="rId1"/>
+          <a:stretch>
+            <a:fillRect/>
+          </a:stretch>
+        </p:blipFill>
+        <p:spPr>
+          <a:xfrm>
+            <a:off x="1003935" y="2005965"/>
+            <a:ext cx="9201150" cy="3414395"/>
           </a:xfrm>
           <a:prstGeom prst="rect">
             <a:avLst/>
